--- a/project/slides/20140310_project_review_progress.pptx
+++ b/project/slides/20140310_project_review_progress.pptx
@@ -211,7 +211,7 @@
           <a:p>
             <a:fld id="{A73C518A-92DB-46DF-BD76-3CC8F815F24C}" type="datetimeFigureOut">
               <a:rPr lang="zh-TW" altLang="en-US" smtClean="0"/>
-              <a:t>2014/3/10</a:t>
+              <a:t>2014/3/11</a:t>
             </a:fld>
             <a:endParaRPr lang="zh-TW" altLang="en-US"/>
           </a:p>
@@ -2198,7 +2198,7 @@
           <a:p>
             <a:fld id="{80A3F550-3471-4745-B32F-74FEAE30756A}" type="datetimeFigureOut">
               <a:rPr lang="zh-TW" altLang="en-US" smtClean="0"/>
-              <a:t>2014/3/10</a:t>
+              <a:t>2014/3/11</a:t>
             </a:fld>
             <a:endParaRPr lang="zh-TW" altLang="en-US"/>
           </a:p>
@@ -2368,7 +2368,7 @@
           <a:p>
             <a:fld id="{80A3F550-3471-4745-B32F-74FEAE30756A}" type="datetimeFigureOut">
               <a:rPr lang="zh-TW" altLang="en-US" smtClean="0"/>
-              <a:t>2014/3/10</a:t>
+              <a:t>2014/3/11</a:t>
             </a:fld>
             <a:endParaRPr lang="zh-TW" altLang="en-US"/>
           </a:p>
@@ -2548,7 +2548,7 @@
           <a:p>
             <a:fld id="{80A3F550-3471-4745-B32F-74FEAE30756A}" type="datetimeFigureOut">
               <a:rPr lang="zh-TW" altLang="en-US" smtClean="0"/>
-              <a:t>2014/3/10</a:t>
+              <a:t>2014/3/11</a:t>
             </a:fld>
             <a:endParaRPr lang="zh-TW" altLang="en-US"/>
           </a:p>
@@ -2718,7 +2718,7 @@
           <a:p>
             <a:fld id="{80A3F550-3471-4745-B32F-74FEAE30756A}" type="datetimeFigureOut">
               <a:rPr lang="zh-TW" altLang="en-US" smtClean="0"/>
-              <a:t>2014/3/10</a:t>
+              <a:t>2014/3/11</a:t>
             </a:fld>
             <a:endParaRPr lang="zh-TW" altLang="en-US"/>
           </a:p>
@@ -2964,7 +2964,7 @@
           <a:p>
             <a:fld id="{80A3F550-3471-4745-B32F-74FEAE30756A}" type="datetimeFigureOut">
               <a:rPr lang="zh-TW" altLang="en-US" smtClean="0"/>
-              <a:t>2014/3/10</a:t>
+              <a:t>2014/3/11</a:t>
             </a:fld>
             <a:endParaRPr lang="zh-TW" altLang="en-US"/>
           </a:p>
@@ -3196,7 +3196,7 @@
           <a:p>
             <a:fld id="{80A3F550-3471-4745-B32F-74FEAE30756A}" type="datetimeFigureOut">
               <a:rPr lang="zh-TW" altLang="en-US" smtClean="0"/>
-              <a:t>2014/3/10</a:t>
+              <a:t>2014/3/11</a:t>
             </a:fld>
             <a:endParaRPr lang="zh-TW" altLang="en-US"/>
           </a:p>
@@ -3563,7 +3563,7 @@
           <a:p>
             <a:fld id="{80A3F550-3471-4745-B32F-74FEAE30756A}" type="datetimeFigureOut">
               <a:rPr lang="zh-TW" altLang="en-US" smtClean="0"/>
-              <a:t>2014/3/10</a:t>
+              <a:t>2014/3/11</a:t>
             </a:fld>
             <a:endParaRPr lang="zh-TW" altLang="en-US"/>
           </a:p>
@@ -3681,7 +3681,7 @@
           <a:p>
             <a:fld id="{80A3F550-3471-4745-B32F-74FEAE30756A}" type="datetimeFigureOut">
               <a:rPr lang="zh-TW" altLang="en-US" smtClean="0"/>
-              <a:t>2014/3/10</a:t>
+              <a:t>2014/3/11</a:t>
             </a:fld>
             <a:endParaRPr lang="zh-TW" altLang="en-US"/>
           </a:p>
@@ -3776,7 +3776,7 @@
           <a:p>
             <a:fld id="{80A3F550-3471-4745-B32F-74FEAE30756A}" type="datetimeFigureOut">
               <a:rPr lang="zh-TW" altLang="en-US" smtClean="0"/>
-              <a:t>2014/3/10</a:t>
+              <a:t>2014/3/11</a:t>
             </a:fld>
             <a:endParaRPr lang="zh-TW" altLang="en-US"/>
           </a:p>
@@ -4053,7 +4053,7 @@
           <a:p>
             <a:fld id="{80A3F550-3471-4745-B32F-74FEAE30756A}" type="datetimeFigureOut">
               <a:rPr lang="zh-TW" altLang="en-US" smtClean="0"/>
-              <a:t>2014/3/10</a:t>
+              <a:t>2014/3/11</a:t>
             </a:fld>
             <a:endParaRPr lang="zh-TW" altLang="en-US"/>
           </a:p>
@@ -4306,7 +4306,7 @@
           <a:p>
             <a:fld id="{80A3F550-3471-4745-B32F-74FEAE30756A}" type="datetimeFigureOut">
               <a:rPr lang="zh-TW" altLang="en-US" smtClean="0"/>
-              <a:t>2014/3/10</a:t>
+              <a:t>2014/3/11</a:t>
             </a:fld>
             <a:endParaRPr lang="zh-TW" altLang="en-US"/>
           </a:p>
@@ -4519,7 +4519,7 @@
           <a:p>
             <a:fld id="{80A3F550-3471-4745-B32F-74FEAE30756A}" type="datetimeFigureOut">
               <a:rPr lang="zh-TW" altLang="en-US" smtClean="0"/>
-              <a:t>2014/3/10</a:t>
+              <a:t>2014/3/11</a:t>
             </a:fld>
             <a:endParaRPr lang="zh-TW" altLang="en-US"/>
           </a:p>
@@ -4968,7 +4968,7 @@
         <p:spPr/>
         <p:txBody>
           <a:bodyPr>
-            <a:normAutofit fontScale="77500" lnSpcReduction="20000"/>
+            <a:normAutofit fontScale="62500" lnSpcReduction="20000"/>
           </a:bodyPr>
           <a:lstStyle/>
           <a:p>
@@ -5213,6 +5213,45 @@
               </a:rPr>
               <a:t>吳佳倫</a:t>
             </a:r>
+            <a:endParaRPr lang="en-US" altLang="zh-TW" kern="0" spc="0" dirty="0" smtClean="0">
+              <a:ea typeface="微軟正黑體" panose="020B0604030504040204" pitchFamily="34" charset="-120"/>
+            </a:endParaRPr>
+          </a:p>
+          <a:p>
+            <a:pPr algn="l">
+              <a:lnSpc>
+                <a:spcPct val="100000"/>
+              </a:lnSpc>
+              <a:spcBef>
+                <a:spcPts val="0"/>
+              </a:spcBef>
+              <a:spcAft>
+                <a:spcPts val="0"/>
+              </a:spcAft>
+            </a:pPr>
+            <a:r>
+              <a:rPr lang="en-US" altLang="zh-TW" kern="0" dirty="0">
+                <a:ea typeface="微軟正黑體" panose="020B0604030504040204" pitchFamily="34" charset="-120"/>
+              </a:rPr>
+              <a:t> </a:t>
+            </a:r>
+            <a:r>
+              <a:rPr lang="en-US" altLang="zh-TW" kern="0" dirty="0" smtClean="0">
+                <a:ea typeface="微軟正黑體" panose="020B0604030504040204" pitchFamily="34" charset="-120"/>
+              </a:rPr>
+              <a:t>            </a:t>
+            </a:r>
+            <a:r>
+              <a:rPr lang="en-US" altLang="zh-CHT" dirty="0"/>
+              <a:t>b99902100 </a:t>
+            </a:r>
+            <a:r>
+              <a:rPr lang="zh-CHT" altLang="en-US" dirty="0"/>
+              <a:t>劉宗瑋</a:t>
+            </a:r>
+            <a:endParaRPr lang="zh-TW" altLang="en-US" kern="0" spc="0" dirty="0" smtClean="0">
+              <a:ea typeface="微軟正黑體" panose="020B0604030504040204" pitchFamily="34" charset="-120"/>
+            </a:endParaRPr>
           </a:p>
         </p:txBody>
       </p:sp>
@@ -6220,13 +6259,8 @@
             </a:pPr>
             <a:r>
               <a:rPr lang="en-US" altLang="zh-TW" dirty="0" smtClean="0"/>
-              <a:t>Layouts maybe another </a:t>
-            </a:r>
-            <a:r>
-              <a:rPr lang="en-US" altLang="zh-TW" dirty="0" smtClean="0"/>
-              <a:t>the performance issues 2.</a:t>
-            </a:r>
-            <a:endParaRPr lang="en-US" altLang="zh-TW" dirty="0" smtClean="0"/>
+              <a:t>Layouts maybe another the performance issues 2.</a:t>
+            </a:r>
           </a:p>
           <a:p>
             <a:pPr lvl="1"/>
@@ -6915,7 +6949,7 @@
     </a:clrScheme>
     <a:fontScheme name="Office">
       <a:majorFont>
-        <a:latin typeface="Calibri Light" panose="020F0302020204030204"/>
+        <a:latin typeface="Calibri Light"/>
         <a:ea typeface=""/>
         <a:cs typeface=""/>
         <a:font script="Jpan" typeface="ＭＳ Ｐゴシック"/>
@@ -6950,7 +6984,7 @@
         <a:font script="Geor" typeface="Sylfaen"/>
       </a:majorFont>
       <a:minorFont>
-        <a:latin typeface="Calibri" panose="020F0502020204030204"/>
+        <a:latin typeface="Calibri"/>
         <a:ea typeface=""/>
         <a:cs typeface=""/>
         <a:font script="Jpan" typeface="ＭＳ Ｐゴシック"/>
@@ -7127,7 +7161,7 @@
   <a:extraClrSchemeLst/>
   <a:extLst>
     <a:ext uri="{05A4C25C-085E-4340-85A3-A5531E510DB2}">
-      <thm15:themeFamily xmlns:thm15="http://schemas.microsoft.com/office/thememl/2012/main" name="Office Theme" id="{62F939B6-93AF-4DB8-9C6B-D6C7DFDC589F}" vid="{4A3C46E8-61CC-4603-A589-7422A47A8E4A}"/>
+      <thm15:themeFamily xmlns:thm15="http://schemas.microsoft.com/office/thememl/2012/main" xmlns="" name="Office Theme" id="{62F939B6-93AF-4DB8-9C6B-D6C7DFDC589F}" vid="{4A3C46E8-61CC-4603-A589-7422A47A8E4A}"/>
     </a:ext>
   </a:extLst>
 </a:theme>
@@ -7176,7 +7210,7 @@
     </a:clrScheme>
     <a:fontScheme name="Office">
       <a:majorFont>
-        <a:latin typeface="Calibri Light" panose="020F0302020204030204"/>
+        <a:latin typeface="Calibri Light"/>
         <a:ea typeface=""/>
         <a:cs typeface=""/>
         <a:font script="Jpan" typeface="ＭＳ Ｐゴシック"/>
@@ -7211,7 +7245,7 @@
         <a:font script="Geor" typeface="Sylfaen"/>
       </a:majorFont>
       <a:minorFont>
-        <a:latin typeface="Calibri" panose="020F0502020204030204"/>
+        <a:latin typeface="Calibri"/>
         <a:ea typeface=""/>
         <a:cs typeface=""/>
         <a:font script="Jpan" typeface="ＭＳ Ｐゴシック"/>
@@ -7388,7 +7422,7 @@
   <a:extraClrSchemeLst/>
   <a:extLst>
     <a:ext uri="{05A4C25C-085E-4340-85A3-A5531E510DB2}">
-      <thm15:themeFamily xmlns:thm15="http://schemas.microsoft.com/office/thememl/2012/main" name="Office Theme" id="{62F939B6-93AF-4DB8-9C6B-D6C7DFDC589F}" vid="{4A3C46E8-61CC-4603-A589-7422A47A8E4A}"/>
+      <thm15:themeFamily xmlns:thm15="http://schemas.microsoft.com/office/thememl/2012/main" xmlns="" name="Office Theme" id="{62F939B6-93AF-4DB8-9C6B-D6C7DFDC589F}" vid="{4A3C46E8-61CC-4603-A589-7422A47A8E4A}"/>
     </a:ext>
   </a:extLst>
 </a:theme>
